--- a/Sec01/JavaScript解説01.pptx
+++ b/Sec01/JavaScript解説01.pptx
@@ -11,6 +11,10 @@
     <p:sldId id="259" r:id="rId5"/>
     <p:sldId id="260" r:id="rId6"/>
     <p:sldId id="261" r:id="rId7"/>
+    <p:sldId id="262" r:id="rId8"/>
+    <p:sldId id="263" r:id="rId9"/>
+    <p:sldId id="264" r:id="rId10"/>
+    <p:sldId id="265" r:id="rId11"/>
   </p:sldIdLst>
   <p:sldSz cx="12192000" cy="6858000"/>
   <p:notesSz cx="6858000" cy="9144000"/>
@@ -109,6 +113,11 @@
       </a:defRPr>
     </a:lvl9pPr>
   </p:defaultTextStyle>
+  <p:extLst>
+    <p:ext uri="{EFAFB233-063F-42B5-8137-9DF3F51BA10A}">
+      <p15:sldGuideLst xmlns:p15="http://schemas.microsoft.com/office/powerpoint/2012/main"/>
+    </p:ext>
+  </p:extLst>
 </p:presentation>
 </file>
 
@@ -117,12 +126,12 @@
   <pc:docChgLst>
     <pc:chgData name="裕斗 一ノ瀬" userId="d922bd61-0e71-476e-9174-cf5b5058dba7" providerId="ADAL" clId="{1DF37C34-4BD3-45C9-B8D3-31F7806029DB}"/>
     <pc:docChg chg="undo redo custSel addSld modSld">
-      <pc:chgData name="裕斗 一ノ瀬" userId="d922bd61-0e71-476e-9174-cf5b5058dba7" providerId="ADAL" clId="{1DF37C34-4BD3-45C9-B8D3-31F7806029DB}" dt="2021-12-18T16:57:55.084" v="1673" actId="13926"/>
+      <pc:chgData name="裕斗 一ノ瀬" userId="d922bd61-0e71-476e-9174-cf5b5058dba7" providerId="ADAL" clId="{1DF37C34-4BD3-45C9-B8D3-31F7806029DB}" dt="2021-12-19T08:47:07.604" v="2769" actId="1076"/>
       <pc:docMkLst>
         <pc:docMk/>
       </pc:docMkLst>
       <pc:sldChg chg="addSp delSp modSp new mod">
-        <pc:chgData name="裕斗 一ノ瀬" userId="d922bd61-0e71-476e-9174-cf5b5058dba7" providerId="ADAL" clId="{1DF37C34-4BD3-45C9-B8D3-31F7806029DB}" dt="2021-12-18T15:42:23.618" v="246" actId="403"/>
+        <pc:chgData name="裕斗 一ノ瀬" userId="d922bd61-0e71-476e-9174-cf5b5058dba7" providerId="ADAL" clId="{1DF37C34-4BD3-45C9-B8D3-31F7806029DB}" dt="2021-12-19T07:01:04.108" v="2013" actId="20577"/>
         <pc:sldMkLst>
           <pc:docMk/>
           <pc:sldMk cId="165290903" sldId="256"/>
@@ -136,7 +145,7 @@
           </ac:spMkLst>
         </pc:spChg>
         <pc:spChg chg="mod">
-          <ac:chgData name="裕斗 一ノ瀬" userId="d922bd61-0e71-476e-9174-cf5b5058dba7" providerId="ADAL" clId="{1DF37C34-4BD3-45C9-B8D3-31F7806029DB}" dt="2021-12-18T15:42:23.618" v="246" actId="403"/>
+          <ac:chgData name="裕斗 一ノ瀬" userId="d922bd61-0e71-476e-9174-cf5b5058dba7" providerId="ADAL" clId="{1DF37C34-4BD3-45C9-B8D3-31F7806029DB}" dt="2021-12-19T07:01:04.108" v="2013" actId="20577"/>
           <ac:spMkLst>
             <pc:docMk/>
             <pc:sldMk cId="165290903" sldId="256"/>
@@ -247,7 +256,7 @@
         </pc:spChg>
       </pc:sldChg>
       <pc:sldChg chg="addSp delSp modSp new mod">
-        <pc:chgData name="裕斗 一ノ瀬" userId="d922bd61-0e71-476e-9174-cf5b5058dba7" providerId="ADAL" clId="{1DF37C34-4BD3-45C9-B8D3-31F7806029DB}" dt="2021-12-18T16:34:48.445" v="1110" actId="20577"/>
+        <pc:chgData name="裕斗 一ノ瀬" userId="d922bd61-0e71-476e-9174-cf5b5058dba7" providerId="ADAL" clId="{1DF37C34-4BD3-45C9-B8D3-31F7806029DB}" dt="2021-12-19T07:18:53.126" v="2151" actId="20577"/>
         <pc:sldMkLst>
           <pc:docMk/>
           <pc:sldMk cId="394620482" sldId="259"/>
@@ -261,7 +270,7 @@
           </ac:spMkLst>
         </pc:spChg>
         <pc:spChg chg="add del mod">
-          <ac:chgData name="裕斗 一ノ瀬" userId="d922bd61-0e71-476e-9174-cf5b5058dba7" providerId="ADAL" clId="{1DF37C34-4BD3-45C9-B8D3-31F7806029DB}" dt="2021-12-18T16:34:48.445" v="1110" actId="20577"/>
+          <ac:chgData name="裕斗 一ノ瀬" userId="d922bd61-0e71-476e-9174-cf5b5058dba7" providerId="ADAL" clId="{1DF37C34-4BD3-45C9-B8D3-31F7806029DB}" dt="2021-12-19T07:18:53.126" v="2151" actId="20577"/>
           <ac:spMkLst>
             <pc:docMk/>
             <pc:sldMk cId="394620482" sldId="259"/>
@@ -332,8 +341,8 @@
           </ac:picMkLst>
         </pc:picChg>
       </pc:sldChg>
-      <pc:sldChg chg="modSp new mod">
-        <pc:chgData name="裕斗 一ノ瀬" userId="d922bd61-0e71-476e-9174-cf5b5058dba7" providerId="ADAL" clId="{1DF37C34-4BD3-45C9-B8D3-31F7806029DB}" dt="2021-12-18T16:57:55.084" v="1673" actId="13926"/>
+      <pc:sldChg chg="addSp modSp new mod">
+        <pc:chgData name="裕斗 一ノ瀬" userId="d922bd61-0e71-476e-9174-cf5b5058dba7" providerId="ADAL" clId="{1DF37C34-4BD3-45C9-B8D3-31F7806029DB}" dt="2021-12-19T07:40:36.358" v="2324" actId="20577"/>
         <pc:sldMkLst>
           <pc:docMk/>
           <pc:sldMk cId="3405392805" sldId="261"/>
@@ -347,13 +356,185 @@
           </ac:spMkLst>
         </pc:spChg>
         <pc:spChg chg="mod">
-          <ac:chgData name="裕斗 一ノ瀬" userId="d922bd61-0e71-476e-9174-cf5b5058dba7" providerId="ADAL" clId="{1DF37C34-4BD3-45C9-B8D3-31F7806029DB}" dt="2021-12-18T16:57:55.084" v="1673" actId="13926"/>
+          <ac:chgData name="裕斗 一ノ瀬" userId="d922bd61-0e71-476e-9174-cf5b5058dba7" providerId="ADAL" clId="{1DF37C34-4BD3-45C9-B8D3-31F7806029DB}" dt="2021-12-19T07:40:36.358" v="2324" actId="20577"/>
           <ac:spMkLst>
             <pc:docMk/>
             <pc:sldMk cId="3405392805" sldId="261"/>
             <ac:spMk id="3" creationId="{C1A997DB-C06C-4FE4-B46C-09C5AF23724A}"/>
           </ac:spMkLst>
         </pc:spChg>
+        <pc:spChg chg="add mod">
+          <ac:chgData name="裕斗 一ノ瀬" userId="d922bd61-0e71-476e-9174-cf5b5058dba7" providerId="ADAL" clId="{1DF37C34-4BD3-45C9-B8D3-31F7806029DB}" dt="2021-12-19T06:55:11.537" v="1736" actId="14100"/>
+          <ac:spMkLst>
+            <pc:docMk/>
+            <pc:sldMk cId="3405392805" sldId="261"/>
+            <ac:spMk id="6" creationId="{221C4B55-8CFD-43AA-8880-954692701B52}"/>
+          </ac:spMkLst>
+        </pc:spChg>
+        <pc:picChg chg="add mod">
+          <ac:chgData name="裕斗 一ノ瀬" userId="d922bd61-0e71-476e-9174-cf5b5058dba7" providerId="ADAL" clId="{1DF37C34-4BD3-45C9-B8D3-31F7806029DB}" dt="2021-12-19T06:53:32.557" v="1675" actId="1076"/>
+          <ac:picMkLst>
+            <pc:docMk/>
+            <pc:sldMk cId="3405392805" sldId="261"/>
+            <ac:picMk id="5" creationId="{A3DB1FF1-1652-4682-909B-0BE4020E6E39}"/>
+          </ac:picMkLst>
+        </pc:picChg>
+      </pc:sldChg>
+      <pc:sldChg chg="addSp modSp new mod">
+        <pc:chgData name="裕斗 一ノ瀬" userId="d922bd61-0e71-476e-9174-cf5b5058dba7" providerId="ADAL" clId="{1DF37C34-4BD3-45C9-B8D3-31F7806029DB}" dt="2021-12-19T07:41:04.490" v="2334" actId="20577"/>
+        <pc:sldMkLst>
+          <pc:docMk/>
+          <pc:sldMk cId="1298308946" sldId="262"/>
+        </pc:sldMkLst>
+        <pc:spChg chg="mod">
+          <ac:chgData name="裕斗 一ノ瀬" userId="d922bd61-0e71-476e-9174-cf5b5058dba7" providerId="ADAL" clId="{1DF37C34-4BD3-45C9-B8D3-31F7806029DB}" dt="2021-12-19T07:01:55.031" v="2067" actId="20577"/>
+          <ac:spMkLst>
+            <pc:docMk/>
+            <pc:sldMk cId="1298308946" sldId="262"/>
+            <ac:spMk id="2" creationId="{FFF52FD9-DC95-462C-8F3A-5DF66F814EC0}"/>
+          </ac:spMkLst>
+        </pc:spChg>
+        <pc:spChg chg="mod">
+          <ac:chgData name="裕斗 一ノ瀬" userId="d922bd61-0e71-476e-9174-cf5b5058dba7" providerId="ADAL" clId="{1DF37C34-4BD3-45C9-B8D3-31F7806029DB}" dt="2021-12-19T07:41:04.490" v="2334" actId="20577"/>
+          <ac:spMkLst>
+            <pc:docMk/>
+            <pc:sldMk cId="1298308946" sldId="262"/>
+            <ac:spMk id="3" creationId="{08B16E78-C4F5-434E-BCD5-3EF6A690F469}"/>
+          </ac:spMkLst>
+        </pc:spChg>
+        <pc:picChg chg="add mod">
+          <ac:chgData name="裕斗 一ノ瀬" userId="d922bd61-0e71-476e-9174-cf5b5058dba7" providerId="ADAL" clId="{1DF37C34-4BD3-45C9-B8D3-31F7806029DB}" dt="2021-12-19T07:17:57.842" v="2071" actId="1076"/>
+          <ac:picMkLst>
+            <pc:docMk/>
+            <pc:sldMk cId="1298308946" sldId="262"/>
+            <ac:picMk id="5" creationId="{2808BF75-F25F-4ED5-9764-C7F12E881BEE}"/>
+          </ac:picMkLst>
+        </pc:picChg>
+        <pc:picChg chg="add mod">
+          <ac:chgData name="裕斗 一ノ瀬" userId="d922bd61-0e71-476e-9174-cf5b5058dba7" providerId="ADAL" clId="{1DF37C34-4BD3-45C9-B8D3-31F7806029DB}" dt="2021-12-19T07:20:28.041" v="2153" actId="1076"/>
+          <ac:picMkLst>
+            <pc:docMk/>
+            <pc:sldMk cId="1298308946" sldId="262"/>
+            <ac:picMk id="7" creationId="{F1923DC8-177B-4732-AF18-5AC69FFCB6AE}"/>
+          </ac:picMkLst>
+        </pc:picChg>
+      </pc:sldChg>
+      <pc:sldChg chg="addSp modSp new mod">
+        <pc:chgData name="裕斗 一ノ瀬" userId="d922bd61-0e71-476e-9174-cf5b5058dba7" providerId="ADAL" clId="{1DF37C34-4BD3-45C9-B8D3-31F7806029DB}" dt="2021-12-19T07:41:29.385" v="2345" actId="5793"/>
+        <pc:sldMkLst>
+          <pc:docMk/>
+          <pc:sldMk cId="189409671" sldId="263"/>
+        </pc:sldMkLst>
+        <pc:spChg chg="mod">
+          <ac:chgData name="裕斗 一ノ瀬" userId="d922bd61-0e71-476e-9174-cf5b5058dba7" providerId="ADAL" clId="{1DF37C34-4BD3-45C9-B8D3-31F7806029DB}" dt="2021-12-19T07:22:59.676" v="2186" actId="20577"/>
+          <ac:spMkLst>
+            <pc:docMk/>
+            <pc:sldMk cId="189409671" sldId="263"/>
+            <ac:spMk id="2" creationId="{42131B3F-3BDF-408E-8526-18BBB81E1B1C}"/>
+          </ac:spMkLst>
+        </pc:spChg>
+        <pc:spChg chg="mod">
+          <ac:chgData name="裕斗 一ノ瀬" userId="d922bd61-0e71-476e-9174-cf5b5058dba7" providerId="ADAL" clId="{1DF37C34-4BD3-45C9-B8D3-31F7806029DB}" dt="2021-12-19T07:41:29.385" v="2345" actId="5793"/>
+          <ac:spMkLst>
+            <pc:docMk/>
+            <pc:sldMk cId="189409671" sldId="263"/>
+            <ac:spMk id="3" creationId="{ADA4D73D-862A-41CC-9F8E-057090E5BEDC}"/>
+          </ac:spMkLst>
+        </pc:spChg>
+        <pc:picChg chg="add mod">
+          <ac:chgData name="裕斗 一ノ瀬" userId="d922bd61-0e71-476e-9174-cf5b5058dba7" providerId="ADAL" clId="{1DF37C34-4BD3-45C9-B8D3-31F7806029DB}" dt="2021-12-19T07:37:42.330" v="2232" actId="1076"/>
+          <ac:picMkLst>
+            <pc:docMk/>
+            <pc:sldMk cId="189409671" sldId="263"/>
+            <ac:picMk id="5" creationId="{F03A4A02-2F9C-45ED-A41B-DFB45B0A2FBB}"/>
+          </ac:picMkLst>
+        </pc:picChg>
+        <pc:picChg chg="add mod">
+          <ac:chgData name="裕斗 一ノ瀬" userId="d922bd61-0e71-476e-9174-cf5b5058dba7" providerId="ADAL" clId="{1DF37C34-4BD3-45C9-B8D3-31F7806029DB}" dt="2021-12-19T07:38:18.311" v="2234" actId="1076"/>
+          <ac:picMkLst>
+            <pc:docMk/>
+            <pc:sldMk cId="189409671" sldId="263"/>
+            <ac:picMk id="7" creationId="{BF2D8B07-EA8A-45D0-80B2-FB43790E3B7F}"/>
+          </ac:picMkLst>
+        </pc:picChg>
+      </pc:sldChg>
+      <pc:sldChg chg="addSp delSp modSp new mod">
+        <pc:chgData name="裕斗 一ノ瀬" userId="d922bd61-0e71-476e-9174-cf5b5058dba7" providerId="ADAL" clId="{1DF37C34-4BD3-45C9-B8D3-31F7806029DB}" dt="2021-12-19T08:01:40.978" v="2587" actId="20577"/>
+        <pc:sldMkLst>
+          <pc:docMk/>
+          <pc:sldMk cId="3164469831" sldId="264"/>
+        </pc:sldMkLst>
+        <pc:spChg chg="mod">
+          <ac:chgData name="裕斗 一ノ瀬" userId="d922bd61-0e71-476e-9174-cf5b5058dba7" providerId="ADAL" clId="{1DF37C34-4BD3-45C9-B8D3-31F7806029DB}" dt="2021-12-19T07:49:46.094" v="2361" actId="20577"/>
+          <ac:spMkLst>
+            <pc:docMk/>
+            <pc:sldMk cId="3164469831" sldId="264"/>
+            <ac:spMk id="2" creationId="{854235A3-CB10-4C0A-9F65-0BF88C4AC09C}"/>
+          </ac:spMkLst>
+        </pc:spChg>
+        <pc:spChg chg="mod">
+          <ac:chgData name="裕斗 一ノ瀬" userId="d922bd61-0e71-476e-9174-cf5b5058dba7" providerId="ADAL" clId="{1DF37C34-4BD3-45C9-B8D3-31F7806029DB}" dt="2021-12-19T08:01:40.978" v="2587" actId="20577"/>
+          <ac:spMkLst>
+            <pc:docMk/>
+            <pc:sldMk cId="3164469831" sldId="264"/>
+            <ac:spMk id="3" creationId="{D386C33B-1100-4E13-B767-870975B2F588}"/>
+          </ac:spMkLst>
+        </pc:spChg>
+        <pc:picChg chg="add del mod">
+          <ac:chgData name="裕斗 一ノ瀬" userId="d922bd61-0e71-476e-9174-cf5b5058dba7" providerId="ADAL" clId="{1DF37C34-4BD3-45C9-B8D3-31F7806029DB}" dt="2021-12-19T08:01:38.105" v="2583" actId="478"/>
+          <ac:picMkLst>
+            <pc:docMk/>
+            <pc:sldMk cId="3164469831" sldId="264"/>
+            <ac:picMk id="5" creationId="{0A4B66A7-F83F-4E65-AD8F-23F7DE717C3E}"/>
+          </ac:picMkLst>
+        </pc:picChg>
+        <pc:picChg chg="add del mod">
+          <ac:chgData name="裕斗 一ノ瀬" userId="d922bd61-0e71-476e-9174-cf5b5058dba7" providerId="ADAL" clId="{1DF37C34-4BD3-45C9-B8D3-31F7806029DB}" dt="2021-12-19T08:01:37.669" v="2582" actId="22"/>
+          <ac:picMkLst>
+            <pc:docMk/>
+            <pc:sldMk cId="3164469831" sldId="264"/>
+            <ac:picMk id="7" creationId="{FCE45782-D203-42D2-925A-320FB9F3DD46}"/>
+          </ac:picMkLst>
+        </pc:picChg>
+      </pc:sldChg>
+      <pc:sldChg chg="addSp delSp modSp new mod">
+        <pc:chgData name="裕斗 一ノ瀬" userId="d922bd61-0e71-476e-9174-cf5b5058dba7" providerId="ADAL" clId="{1DF37C34-4BD3-45C9-B8D3-31F7806029DB}" dt="2021-12-19T08:47:07.604" v="2769" actId="1076"/>
+        <pc:sldMkLst>
+          <pc:docMk/>
+          <pc:sldMk cId="356180449" sldId="265"/>
+        </pc:sldMkLst>
+        <pc:spChg chg="mod">
+          <ac:chgData name="裕斗 一ノ瀬" userId="d922bd61-0e71-476e-9174-cf5b5058dba7" providerId="ADAL" clId="{1DF37C34-4BD3-45C9-B8D3-31F7806029DB}" dt="2021-12-19T08:04:12.995" v="2636" actId="20577"/>
+          <ac:spMkLst>
+            <pc:docMk/>
+            <pc:sldMk cId="356180449" sldId="265"/>
+            <ac:spMk id="2" creationId="{870B7546-874D-483A-AD5F-4BFADA1CACFA}"/>
+          </ac:spMkLst>
+        </pc:spChg>
+        <pc:spChg chg="mod">
+          <ac:chgData name="裕斗 一ノ瀬" userId="d922bd61-0e71-476e-9174-cf5b5058dba7" providerId="ADAL" clId="{1DF37C34-4BD3-45C9-B8D3-31F7806029DB}" dt="2021-12-19T08:05:23.510" v="2762" actId="20577"/>
+          <ac:spMkLst>
+            <pc:docMk/>
+            <pc:sldMk cId="356180449" sldId="265"/>
+            <ac:spMk id="3" creationId="{4CD0E0A5-9ADE-4539-A79A-45A7565CBFAC}"/>
+          </ac:spMkLst>
+        </pc:spChg>
+        <pc:picChg chg="add del mod">
+          <ac:chgData name="裕斗 一ノ瀬" userId="d922bd61-0e71-476e-9174-cf5b5058dba7" providerId="ADAL" clId="{1DF37C34-4BD3-45C9-B8D3-31F7806029DB}" dt="2021-12-19T08:46:28.191" v="2767" actId="478"/>
+          <ac:picMkLst>
+            <pc:docMk/>
+            <pc:sldMk cId="356180449" sldId="265"/>
+            <ac:picMk id="5" creationId="{023E422B-3036-46C1-A90C-F0D334758422}"/>
+          </ac:picMkLst>
+        </pc:picChg>
+        <pc:picChg chg="add mod">
+          <ac:chgData name="裕斗 一ノ瀬" userId="d922bd61-0e71-476e-9174-cf5b5058dba7" providerId="ADAL" clId="{1DF37C34-4BD3-45C9-B8D3-31F7806029DB}" dt="2021-12-19T08:47:07.604" v="2769" actId="1076"/>
+          <ac:picMkLst>
+            <pc:docMk/>
+            <pc:sldMk cId="356180449" sldId="265"/>
+            <ac:picMk id="7" creationId="{A4B9CCDE-EAA5-471A-B542-4B6B91A0010A}"/>
+          </ac:picMkLst>
+        </pc:picChg>
       </pc:sldChg>
       <pc:sldMasterChg chg="addSldLayout">
         <pc:chgData name="裕斗 一ノ瀬" userId="d922bd61-0e71-476e-9174-cf5b5058dba7" providerId="ADAL" clId="{1DF37C34-4BD3-45C9-B8D3-31F7806029DB}" dt="2021-12-18T15:36:50.616" v="0" actId="680"/>
@@ -4235,7 +4416,7 @@
         <p:spPr/>
         <p:txBody>
           <a:bodyPr>
-            <a:normAutofit/>
+            <a:normAutofit fontScale="85000" lnSpcReduction="10000"/>
           </a:bodyPr>
           <a:lstStyle/>
           <a:p>
@@ -4243,6 +4424,14 @@
               <a:rPr kumimoji="1" lang="ja-JP" altLang="en-US" sz="2400" dirty="0"/>
               <a:t>環境構築・ログ出力・変数編</a:t>
             </a:r>
+            <a:endParaRPr kumimoji="1" lang="en-US" altLang="ja-JP" sz="2400" dirty="0"/>
+          </a:p>
+          <a:p>
+            <a:r>
+              <a:rPr lang="ja-JP" altLang="en-US" sz="2400" dirty="0"/>
+              <a:t>（プログラミング初級者向け）</a:t>
+            </a:r>
+            <a:endParaRPr kumimoji="1" lang="ja-JP" altLang="en-US" sz="2400" dirty="0"/>
           </a:p>
         </p:txBody>
       </p:sp>
@@ -4289,6 +4478,142 @@
     <p:extLst>
       <p:ext uri="{BB962C8B-B14F-4D97-AF65-F5344CB8AC3E}">
         <p14:creationId xmlns:p14="http://schemas.microsoft.com/office/powerpoint/2010/main" val="165290903"/>
+      </p:ext>
+    </p:extLst>
+  </p:cSld>
+  <p:clrMapOvr>
+    <a:masterClrMapping/>
+  </p:clrMapOvr>
+</p:sld>
+</file>
+
+<file path=ppt/slides/slide10.xml><?xml version="1.0" encoding="utf-8"?>
+<p:sld xmlns:a="http://schemas.openxmlformats.org/drawingml/2006/main" xmlns:r="http://schemas.openxmlformats.org/officeDocument/2006/relationships" xmlns:p="http://schemas.openxmlformats.org/presentationml/2006/main">
+  <p:cSld>
+    <p:spTree>
+      <p:nvGrpSpPr>
+        <p:cNvPr id="1" name=""/>
+        <p:cNvGrpSpPr/>
+        <p:nvPr/>
+      </p:nvGrpSpPr>
+      <p:grpSpPr>
+        <a:xfrm>
+          <a:off x="0" y="0"/>
+          <a:ext cx="0" cy="0"/>
+          <a:chOff x="0" y="0"/>
+          <a:chExt cx="0" cy="0"/>
+        </a:xfrm>
+      </p:grpSpPr>
+      <p:sp>
+        <p:nvSpPr>
+          <p:cNvPr id="2" name="タイトル 1">
+            <a:extLst>
+              <a:ext uri="{FF2B5EF4-FFF2-40B4-BE49-F238E27FC236}">
+                <a16:creationId xmlns:a16="http://schemas.microsoft.com/office/drawing/2014/main" id="{870B7546-874D-483A-AD5F-4BFADA1CACFA}"/>
+              </a:ext>
+            </a:extLst>
+          </p:cNvPr>
+          <p:cNvSpPr>
+            <a:spLocks noGrp="1"/>
+          </p:cNvSpPr>
+          <p:nvPr>
+            <p:ph type="title"/>
+          </p:nvPr>
+        </p:nvSpPr>
+        <p:spPr/>
+        <p:txBody>
+          <a:bodyPr/>
+          <a:lstStyle/>
+          <a:p>
+            <a:r>
+              <a:rPr kumimoji="1" lang="ja-JP" altLang="en-US" dirty="0"/>
+              <a:t>応用：カウンターアプリを作る</a:t>
+            </a:r>
+          </a:p>
+        </p:txBody>
+      </p:sp>
+      <p:sp>
+        <p:nvSpPr>
+          <p:cNvPr id="3" name="コンテンツ プレースホルダー 2">
+            <a:extLst>
+              <a:ext uri="{FF2B5EF4-FFF2-40B4-BE49-F238E27FC236}">
+                <a16:creationId xmlns:a16="http://schemas.microsoft.com/office/drawing/2014/main" id="{4CD0E0A5-9ADE-4539-A79A-45A7565CBFAC}"/>
+              </a:ext>
+            </a:extLst>
+          </p:cNvPr>
+          <p:cNvSpPr>
+            <a:spLocks noGrp="1"/>
+          </p:cNvSpPr>
+          <p:nvPr>
+            <p:ph idx="1"/>
+          </p:nvPr>
+        </p:nvSpPr>
+        <p:spPr/>
+        <p:txBody>
+          <a:bodyPr/>
+          <a:lstStyle/>
+          <a:p>
+            <a:r>
+              <a:rPr kumimoji="1" lang="en-US" altLang="ja-JP" dirty="0"/>
+              <a:t>HTML</a:t>
+            </a:r>
+            <a:r>
+              <a:rPr kumimoji="1" lang="ja-JP" altLang="en-US" dirty="0"/>
+              <a:t>のボタンをクリックするとカウントが増えていくアプリを作る</a:t>
+            </a:r>
+            <a:endParaRPr kumimoji="1" lang="en-US" altLang="ja-JP" dirty="0"/>
+          </a:p>
+          <a:p>
+            <a:r>
+              <a:rPr lang="en-US" altLang="ja-JP" dirty="0"/>
+              <a:t>countapp01.html</a:t>
+            </a:r>
+            <a:r>
+              <a:rPr lang="ja-JP" altLang="en-US" dirty="0"/>
+              <a:t>を作成</a:t>
+            </a:r>
+            <a:r>
+              <a:rPr lang="en-US" altLang="ja-JP" dirty="0"/>
+              <a:t>	</a:t>
+            </a:r>
+            <a:endParaRPr kumimoji="1" lang="en-US" altLang="ja-JP" dirty="0"/>
+          </a:p>
+        </p:txBody>
+      </p:sp>
+      <p:pic>
+        <p:nvPicPr>
+          <p:cNvPr id="7" name="図 6">
+            <a:extLst>
+              <a:ext uri="{FF2B5EF4-FFF2-40B4-BE49-F238E27FC236}">
+                <a16:creationId xmlns:a16="http://schemas.microsoft.com/office/drawing/2014/main" id="{A4B9CCDE-EAA5-471A-B542-4B6B91A0010A}"/>
+              </a:ext>
+            </a:extLst>
+          </p:cNvPr>
+          <p:cNvPicPr>
+            <a:picLocks noChangeAspect="1"/>
+          </p:cNvPicPr>
+          <p:nvPr/>
+        </p:nvPicPr>
+        <p:blipFill>
+          <a:blip r:embed="rId2"/>
+          <a:stretch>
+            <a:fillRect/>
+          </a:stretch>
+        </p:blipFill>
+        <p:spPr>
+          <a:xfrm>
+            <a:off x="4986582" y="2459101"/>
+            <a:ext cx="6068272" cy="3648584"/>
+          </a:xfrm>
+          <a:prstGeom prst="rect">
+            <a:avLst/>
+          </a:prstGeom>
+        </p:spPr>
+      </p:pic>
+    </p:spTree>
+    <p:extLst>
+      <p:ext uri="{BB962C8B-B14F-4D97-AF65-F5344CB8AC3E}">
+        <p14:creationId xmlns:p14="http://schemas.microsoft.com/office/powerpoint/2010/main" val="356180449"/>
       </p:ext>
     </p:extLst>
   </p:cSld>
@@ -5072,7 +5397,7 @@
             </a:r>
             <a:r>
               <a:rPr kumimoji="1" lang="ja-JP" altLang="en-US" dirty="0"/>
-              <a:t>内に以下のコードを記述</a:t>
+              <a:t>内に以下のコードを記述（セミコロンを忘れずに付ける）</a:t>
             </a:r>
           </a:p>
         </p:txBody>
@@ -5395,9 +5720,16 @@
             <p:ph idx="1"/>
           </p:nvPr>
         </p:nvSpPr>
-        <p:spPr/>
-        <p:txBody>
-          <a:bodyPr/>
+        <p:spPr>
+          <a:xfrm>
+            <a:off x="1451579" y="2015732"/>
+            <a:ext cx="9603275" cy="3630924"/>
+          </a:xfrm>
+        </p:spPr>
+        <p:txBody>
+          <a:bodyPr>
+            <a:normAutofit fontScale="92500" lnSpcReduction="10000"/>
+          </a:bodyPr>
           <a:lstStyle/>
           <a:p>
             <a:r>
@@ -5567,10 +5899,151 @@
               <a:rPr kumimoji="1" lang="ja-JP" altLang="en-US" dirty="0"/>
               <a:t>を使用する</a:t>
             </a:r>
+            <a:endParaRPr kumimoji="1" lang="en-US" altLang="ja-JP" dirty="0"/>
+          </a:p>
+          <a:p>
+            <a:r>
+              <a:rPr lang="en-US" altLang="ja-JP" dirty="0"/>
+              <a:t>Java</a:t>
+            </a:r>
+            <a:r>
+              <a:rPr lang="ja-JP" altLang="en-US" dirty="0"/>
+              <a:t>のように</a:t>
+            </a:r>
+            <a:r>
+              <a:rPr lang="ja-JP" altLang="en-US" dirty="0">
+                <a:highlight>
+                  <a:srgbClr val="FFFF00"/>
+                </a:highlight>
+              </a:rPr>
+              <a:t>データの型を宣言する必要はない</a:t>
+            </a:r>
+            <a:endParaRPr lang="en-US" altLang="ja-JP" dirty="0">
+              <a:highlight>
+                <a:srgbClr val="FFFF00"/>
+              </a:highlight>
+            </a:endParaRPr>
+          </a:p>
+          <a:p>
+            <a:pPr marL="457200" lvl="1" indent="0">
+              <a:buNone/>
+            </a:pPr>
+            <a:r>
+              <a:rPr lang="ja-JP" altLang="en-US" dirty="0"/>
+              <a:t>整数でも小数でも文字列でも代入可能</a:t>
+            </a:r>
             <a:endParaRPr lang="en-US" altLang="ja-JP" dirty="0"/>
           </a:p>
           <a:p>
+            <a:pPr marL="457200" lvl="1" indent="0">
+              <a:buNone/>
+            </a:pPr>
             <a:endParaRPr lang="en-US" altLang="ja-JP" dirty="0"/>
+          </a:p>
+          <a:p>
+            <a:pPr marL="0" indent="0">
+              <a:buNone/>
+            </a:pPr>
+            <a:r>
+              <a:rPr lang="en-US" altLang="ja-JP" dirty="0"/>
+              <a:t>workspace</a:t>
+            </a:r>
+            <a:r>
+              <a:rPr lang="ja-JP" altLang="en-US" dirty="0"/>
+              <a:t>フォルダに</a:t>
+            </a:r>
+            <a:r>
+              <a:rPr lang="en-US" altLang="ja-JP" dirty="0"/>
+              <a:t>sectioon0102.html</a:t>
+            </a:r>
+            <a:r>
+              <a:rPr lang="ja-JP" altLang="en-US" dirty="0"/>
+              <a:t>のファイルを作って実行</a:t>
+            </a:r>
+            <a:endParaRPr lang="en-US" altLang="ja-JP" dirty="0"/>
+          </a:p>
+          <a:p>
+            <a:pPr marL="0" indent="0">
+              <a:buNone/>
+            </a:pPr>
+            <a:r>
+              <a:rPr lang="en-US" altLang="ja-JP" dirty="0"/>
+              <a:t>b=3;</a:t>
+            </a:r>
+            <a:r>
+              <a:rPr lang="ja-JP" altLang="en-US" dirty="0"/>
+              <a:t>は後でコメントアウトする</a:t>
+            </a:r>
+            <a:endParaRPr lang="en-US" altLang="ja-JP" dirty="0"/>
+          </a:p>
+        </p:txBody>
+      </p:sp>
+      <p:pic>
+        <p:nvPicPr>
+          <p:cNvPr id="5" name="図 4">
+            <a:extLst>
+              <a:ext uri="{FF2B5EF4-FFF2-40B4-BE49-F238E27FC236}">
+                <a16:creationId xmlns:a16="http://schemas.microsoft.com/office/drawing/2014/main" id="{A3DB1FF1-1652-4682-909B-0BE4020E6E39}"/>
+              </a:ext>
+            </a:extLst>
+          </p:cNvPr>
+          <p:cNvPicPr>
+            <a:picLocks noChangeAspect="1"/>
+          </p:cNvPicPr>
+          <p:nvPr/>
+        </p:nvPicPr>
+        <p:blipFill>
+          <a:blip r:embed="rId2"/>
+          <a:stretch>
+            <a:fillRect/>
+          </a:stretch>
+        </p:blipFill>
+        <p:spPr>
+          <a:xfrm>
+            <a:off x="7158329" y="2015732"/>
+            <a:ext cx="1457528" cy="1295581"/>
+          </a:xfrm>
+          <a:prstGeom prst="rect">
+            <a:avLst/>
+          </a:prstGeom>
+        </p:spPr>
+      </p:pic>
+      <p:sp>
+        <p:nvSpPr>
+          <p:cNvPr id="6" name="テキスト ボックス 5">
+            <a:extLst>
+              <a:ext uri="{FF2B5EF4-FFF2-40B4-BE49-F238E27FC236}">
+                <a16:creationId xmlns:a16="http://schemas.microsoft.com/office/drawing/2014/main" id="{221C4B55-8CFD-43AA-8880-954692701B52}"/>
+              </a:ext>
+            </a:extLst>
+          </p:cNvPr>
+          <p:cNvSpPr txBox="1"/>
+          <p:nvPr/>
+        </p:nvSpPr>
+        <p:spPr>
+          <a:xfrm>
+            <a:off x="8615857" y="2941981"/>
+            <a:ext cx="2272102" cy="400110"/>
+          </a:xfrm>
+          <a:prstGeom prst="rect">
+            <a:avLst/>
+          </a:prstGeom>
+          <a:noFill/>
+        </p:spPr>
+        <p:txBody>
+          <a:bodyPr wrap="square" rtlCol="0">
+            <a:spAutoFit/>
+          </a:bodyPr>
+          <a:lstStyle/>
+          <a:p>
+            <a:r>
+              <a:rPr kumimoji="1" lang="ja-JP" altLang="en-US" sz="2000" dirty="0">
+                <a:solidFill>
+                  <a:srgbClr val="FF0000"/>
+                </a:solidFill>
+              </a:rPr>
+              <a:t>←エラーが起こる</a:t>
+            </a:r>
           </a:p>
         </p:txBody>
       </p:sp>
@@ -5578,6 +6051,585 @@
     <p:extLst>
       <p:ext uri="{BB962C8B-B14F-4D97-AF65-F5344CB8AC3E}">
         <p14:creationId xmlns:p14="http://schemas.microsoft.com/office/powerpoint/2010/main" val="3405392805"/>
+      </p:ext>
+    </p:extLst>
+  </p:cSld>
+  <p:clrMapOvr>
+    <a:masterClrMapping/>
+  </p:clrMapOvr>
+</p:sld>
+</file>
+
+<file path=ppt/slides/slide7.xml><?xml version="1.0" encoding="utf-8"?>
+<p:sld xmlns:a="http://schemas.openxmlformats.org/drawingml/2006/main" xmlns:r="http://schemas.openxmlformats.org/officeDocument/2006/relationships" xmlns:p="http://schemas.openxmlformats.org/presentationml/2006/main">
+  <p:cSld>
+    <p:spTree>
+      <p:nvGrpSpPr>
+        <p:cNvPr id="1" name=""/>
+        <p:cNvGrpSpPr/>
+        <p:nvPr/>
+      </p:nvGrpSpPr>
+      <p:grpSpPr>
+        <a:xfrm>
+          <a:off x="0" y="0"/>
+          <a:ext cx="0" cy="0"/>
+          <a:chOff x="0" y="0"/>
+          <a:chExt cx="0" cy="0"/>
+        </a:xfrm>
+      </p:grpSpPr>
+      <p:sp>
+        <p:nvSpPr>
+          <p:cNvPr id="2" name="タイトル 1">
+            <a:extLst>
+              <a:ext uri="{FF2B5EF4-FFF2-40B4-BE49-F238E27FC236}">
+                <a16:creationId xmlns:a16="http://schemas.microsoft.com/office/drawing/2014/main" id="{FFF52FD9-DC95-462C-8F3A-5DF66F814EC0}"/>
+              </a:ext>
+            </a:extLst>
+          </p:cNvPr>
+          <p:cNvSpPr>
+            <a:spLocks noGrp="1"/>
+          </p:cNvSpPr>
+          <p:nvPr>
+            <p:ph type="title"/>
+          </p:nvPr>
+        </p:nvSpPr>
+        <p:spPr/>
+        <p:txBody>
+          <a:bodyPr/>
+          <a:lstStyle/>
+          <a:p>
+            <a:r>
+              <a:rPr kumimoji="1" lang="ja-JP" altLang="en-US" dirty="0"/>
+              <a:t>変数に代入して、計算とログ出力</a:t>
+            </a:r>
+          </a:p>
+        </p:txBody>
+      </p:sp>
+      <p:sp>
+        <p:nvSpPr>
+          <p:cNvPr id="3" name="コンテンツ プレースホルダー 2">
+            <a:extLst>
+              <a:ext uri="{FF2B5EF4-FFF2-40B4-BE49-F238E27FC236}">
+                <a16:creationId xmlns:a16="http://schemas.microsoft.com/office/drawing/2014/main" id="{08B16E78-C4F5-434E-BCD5-3EF6A690F469}"/>
+              </a:ext>
+            </a:extLst>
+          </p:cNvPr>
+          <p:cNvSpPr>
+            <a:spLocks noGrp="1"/>
+          </p:cNvSpPr>
+          <p:nvPr>
+            <p:ph idx="1"/>
+          </p:nvPr>
+        </p:nvSpPr>
+        <p:spPr>
+          <a:xfrm>
+            <a:off x="1451579" y="2015732"/>
+            <a:ext cx="9603275" cy="3876021"/>
+          </a:xfrm>
+        </p:spPr>
+        <p:txBody>
+          <a:bodyPr/>
+          <a:lstStyle/>
+          <a:p>
+            <a:pPr marL="0" indent="0">
+              <a:buNone/>
+            </a:pPr>
+            <a:r>
+              <a:rPr kumimoji="1" lang="ja-JP" altLang="en-US" dirty="0"/>
+              <a:t>以下のコードを記述して実行（</a:t>
+            </a:r>
+            <a:r>
+              <a:rPr lang="en-US" altLang="ja-JP" dirty="0"/>
+              <a:t> sectioon0103.html </a:t>
+            </a:r>
+            <a:r>
+              <a:rPr kumimoji="1" lang="ja-JP" altLang="en-US" dirty="0"/>
+              <a:t>）</a:t>
+            </a:r>
+          </a:p>
+        </p:txBody>
+      </p:sp>
+      <p:pic>
+        <p:nvPicPr>
+          <p:cNvPr id="5" name="図 4">
+            <a:extLst>
+              <a:ext uri="{FF2B5EF4-FFF2-40B4-BE49-F238E27FC236}">
+                <a16:creationId xmlns:a16="http://schemas.microsoft.com/office/drawing/2014/main" id="{2808BF75-F25F-4ED5-9764-C7F12E881BEE}"/>
+              </a:ext>
+            </a:extLst>
+          </p:cNvPr>
+          <p:cNvPicPr>
+            <a:picLocks noChangeAspect="1"/>
+          </p:cNvPicPr>
+          <p:nvPr/>
+        </p:nvPicPr>
+        <p:blipFill>
+          <a:blip r:embed="rId2"/>
+          <a:stretch>
+            <a:fillRect/>
+          </a:stretch>
+        </p:blipFill>
+        <p:spPr>
+          <a:xfrm>
+            <a:off x="1577832" y="2546166"/>
+            <a:ext cx="3229426" cy="3162741"/>
+          </a:xfrm>
+          <a:prstGeom prst="rect">
+            <a:avLst/>
+          </a:prstGeom>
+        </p:spPr>
+      </p:pic>
+      <p:pic>
+        <p:nvPicPr>
+          <p:cNvPr id="7" name="図 6">
+            <a:extLst>
+              <a:ext uri="{FF2B5EF4-FFF2-40B4-BE49-F238E27FC236}">
+                <a16:creationId xmlns:a16="http://schemas.microsoft.com/office/drawing/2014/main" id="{F1923DC8-177B-4732-AF18-5AC69FFCB6AE}"/>
+              </a:ext>
+            </a:extLst>
+          </p:cNvPr>
+          <p:cNvPicPr>
+            <a:picLocks noChangeAspect="1"/>
+          </p:cNvPicPr>
+          <p:nvPr/>
+        </p:nvPicPr>
+        <p:blipFill>
+          <a:blip r:embed="rId3"/>
+          <a:stretch>
+            <a:fillRect/>
+          </a:stretch>
+        </p:blipFill>
+        <p:spPr>
+          <a:xfrm>
+            <a:off x="5246694" y="2546166"/>
+            <a:ext cx="6487430" cy="1686160"/>
+          </a:xfrm>
+          <a:prstGeom prst="rect">
+            <a:avLst/>
+          </a:prstGeom>
+        </p:spPr>
+      </p:pic>
+    </p:spTree>
+    <p:extLst>
+      <p:ext uri="{BB962C8B-B14F-4D97-AF65-F5344CB8AC3E}">
+        <p14:creationId xmlns:p14="http://schemas.microsoft.com/office/powerpoint/2010/main" val="1298308946"/>
+      </p:ext>
+    </p:extLst>
+  </p:cSld>
+  <p:clrMapOvr>
+    <a:masterClrMapping/>
+  </p:clrMapOvr>
+</p:sld>
+</file>
+
+<file path=ppt/slides/slide8.xml><?xml version="1.0" encoding="utf-8"?>
+<p:sld xmlns:a="http://schemas.openxmlformats.org/drawingml/2006/main" xmlns:r="http://schemas.openxmlformats.org/officeDocument/2006/relationships" xmlns:p="http://schemas.openxmlformats.org/presentationml/2006/main">
+  <p:cSld>
+    <p:spTree>
+      <p:nvGrpSpPr>
+        <p:cNvPr id="1" name=""/>
+        <p:cNvGrpSpPr/>
+        <p:nvPr/>
+      </p:nvGrpSpPr>
+      <p:grpSpPr>
+        <a:xfrm>
+          <a:off x="0" y="0"/>
+          <a:ext cx="0" cy="0"/>
+          <a:chOff x="0" y="0"/>
+          <a:chExt cx="0" cy="0"/>
+        </a:xfrm>
+      </p:grpSpPr>
+      <p:sp>
+        <p:nvSpPr>
+          <p:cNvPr id="2" name="タイトル 1">
+            <a:extLst>
+              <a:ext uri="{FF2B5EF4-FFF2-40B4-BE49-F238E27FC236}">
+                <a16:creationId xmlns:a16="http://schemas.microsoft.com/office/drawing/2014/main" id="{42131B3F-3BDF-408E-8526-18BBB81E1B1C}"/>
+              </a:ext>
+            </a:extLst>
+          </p:cNvPr>
+          <p:cNvSpPr>
+            <a:spLocks noGrp="1"/>
+          </p:cNvSpPr>
+          <p:nvPr>
+            <p:ph type="title"/>
+          </p:nvPr>
+        </p:nvSpPr>
+        <p:spPr/>
+        <p:txBody>
+          <a:bodyPr/>
+          <a:lstStyle/>
+          <a:p>
+            <a:r>
+              <a:rPr kumimoji="1" lang="en-US" altLang="ja-JP" cap="none" dirty="0"/>
+              <a:t>const</a:t>
+            </a:r>
+            <a:r>
+              <a:rPr kumimoji="1" lang="ja-JP" altLang="en-US" cap="none" dirty="0"/>
+              <a:t>を使う例</a:t>
+            </a:r>
+          </a:p>
+        </p:txBody>
+      </p:sp>
+      <p:sp>
+        <p:nvSpPr>
+          <p:cNvPr id="3" name="コンテンツ プレースホルダー 2">
+            <a:extLst>
+              <a:ext uri="{FF2B5EF4-FFF2-40B4-BE49-F238E27FC236}">
+                <a16:creationId xmlns:a16="http://schemas.microsoft.com/office/drawing/2014/main" id="{ADA4D73D-862A-41CC-9F8E-057090E5BEDC}"/>
+              </a:ext>
+            </a:extLst>
+          </p:cNvPr>
+          <p:cNvSpPr>
+            <a:spLocks noGrp="1"/>
+          </p:cNvSpPr>
+          <p:nvPr>
+            <p:ph idx="1"/>
+          </p:nvPr>
+        </p:nvSpPr>
+        <p:spPr/>
+        <p:txBody>
+          <a:bodyPr/>
+          <a:lstStyle/>
+          <a:p>
+            <a:pPr marL="0" indent="0">
+              <a:buNone/>
+            </a:pPr>
+            <a:r>
+              <a:rPr kumimoji="1" lang="ja-JP" altLang="en-US" dirty="0"/>
+              <a:t>円周率を</a:t>
+            </a:r>
+            <a:r>
+              <a:rPr lang="ja-JP" altLang="en-US" dirty="0"/>
+              <a:t>用いた計算など（</a:t>
+            </a:r>
+            <a:r>
+              <a:rPr lang="en-US" altLang="ja-JP" dirty="0"/>
+              <a:t> sectioon0104.html </a:t>
+            </a:r>
+            <a:r>
+              <a:rPr lang="ja-JP" altLang="en-US" dirty="0"/>
+              <a:t>）</a:t>
+            </a:r>
+            <a:endParaRPr kumimoji="1" lang="ja-JP" altLang="en-US" dirty="0"/>
+          </a:p>
+        </p:txBody>
+      </p:sp>
+      <p:pic>
+        <p:nvPicPr>
+          <p:cNvPr id="5" name="図 4">
+            <a:extLst>
+              <a:ext uri="{FF2B5EF4-FFF2-40B4-BE49-F238E27FC236}">
+                <a16:creationId xmlns:a16="http://schemas.microsoft.com/office/drawing/2014/main" id="{F03A4A02-2F9C-45ED-A41B-DFB45B0A2FBB}"/>
+              </a:ext>
+            </a:extLst>
+          </p:cNvPr>
+          <p:cNvPicPr>
+            <a:picLocks noChangeAspect="1"/>
+          </p:cNvPicPr>
+          <p:nvPr/>
+        </p:nvPicPr>
+        <p:blipFill>
+          <a:blip r:embed="rId2"/>
+          <a:stretch>
+            <a:fillRect/>
+          </a:stretch>
+        </p:blipFill>
+        <p:spPr>
+          <a:xfrm>
+            <a:off x="1451579" y="2537450"/>
+            <a:ext cx="4696480" cy="2124371"/>
+          </a:xfrm>
+          <a:prstGeom prst="rect">
+            <a:avLst/>
+          </a:prstGeom>
+        </p:spPr>
+      </p:pic>
+      <p:pic>
+        <p:nvPicPr>
+          <p:cNvPr id="7" name="図 6">
+            <a:extLst>
+              <a:ext uri="{FF2B5EF4-FFF2-40B4-BE49-F238E27FC236}">
+                <a16:creationId xmlns:a16="http://schemas.microsoft.com/office/drawing/2014/main" id="{BF2D8B07-EA8A-45D0-80B2-FB43790E3B7F}"/>
+              </a:ext>
+            </a:extLst>
+          </p:cNvPr>
+          <p:cNvPicPr>
+            <a:picLocks noChangeAspect="1"/>
+          </p:cNvPicPr>
+          <p:nvPr/>
+        </p:nvPicPr>
+        <p:blipFill>
+          <a:blip r:embed="rId3"/>
+          <a:stretch>
+            <a:fillRect/>
+          </a:stretch>
+        </p:blipFill>
+        <p:spPr>
+          <a:xfrm>
+            <a:off x="1451579" y="4823799"/>
+            <a:ext cx="6582694" cy="543001"/>
+          </a:xfrm>
+          <a:prstGeom prst="rect">
+            <a:avLst/>
+          </a:prstGeom>
+        </p:spPr>
+      </p:pic>
+    </p:spTree>
+    <p:extLst>
+      <p:ext uri="{BB962C8B-B14F-4D97-AF65-F5344CB8AC3E}">
+        <p14:creationId xmlns:p14="http://schemas.microsoft.com/office/powerpoint/2010/main" val="189409671"/>
+      </p:ext>
+    </p:extLst>
+  </p:cSld>
+  <p:clrMapOvr>
+    <a:masterClrMapping/>
+  </p:clrMapOvr>
+</p:sld>
+</file>
+
+<file path=ppt/slides/slide9.xml><?xml version="1.0" encoding="utf-8"?>
+<p:sld xmlns:a="http://schemas.openxmlformats.org/drawingml/2006/main" xmlns:r="http://schemas.openxmlformats.org/officeDocument/2006/relationships" xmlns:p="http://schemas.openxmlformats.org/presentationml/2006/main">
+  <p:cSld>
+    <p:spTree>
+      <p:nvGrpSpPr>
+        <p:cNvPr id="1" name=""/>
+        <p:cNvGrpSpPr/>
+        <p:nvPr/>
+      </p:nvGrpSpPr>
+      <p:grpSpPr>
+        <a:xfrm>
+          <a:off x="0" y="0"/>
+          <a:ext cx="0" cy="0"/>
+          <a:chOff x="0" y="0"/>
+          <a:chExt cx="0" cy="0"/>
+        </a:xfrm>
+      </p:grpSpPr>
+      <p:sp>
+        <p:nvSpPr>
+          <p:cNvPr id="2" name="タイトル 1">
+            <a:extLst>
+              <a:ext uri="{FF2B5EF4-FFF2-40B4-BE49-F238E27FC236}">
+                <a16:creationId xmlns:a16="http://schemas.microsoft.com/office/drawing/2014/main" id="{854235A3-CB10-4C0A-9F65-0BF88C4AC09C}"/>
+              </a:ext>
+            </a:extLst>
+          </p:cNvPr>
+          <p:cNvSpPr>
+            <a:spLocks noGrp="1"/>
+          </p:cNvSpPr>
+          <p:nvPr>
+            <p:ph type="title"/>
+          </p:nvPr>
+        </p:nvSpPr>
+        <p:spPr/>
+        <p:txBody>
+          <a:bodyPr/>
+          <a:lstStyle/>
+          <a:p>
+            <a:r>
+              <a:rPr kumimoji="1" lang="ja-JP" altLang="en-US" dirty="0"/>
+              <a:t>四則演算</a:t>
+            </a:r>
+          </a:p>
+        </p:txBody>
+      </p:sp>
+      <p:sp>
+        <p:nvSpPr>
+          <p:cNvPr id="3" name="コンテンツ プレースホルダー 2">
+            <a:extLst>
+              <a:ext uri="{FF2B5EF4-FFF2-40B4-BE49-F238E27FC236}">
+                <a16:creationId xmlns:a16="http://schemas.microsoft.com/office/drawing/2014/main" id="{D386C33B-1100-4E13-B767-870975B2F588}"/>
+              </a:ext>
+            </a:extLst>
+          </p:cNvPr>
+          <p:cNvSpPr>
+            <a:spLocks noGrp="1"/>
+          </p:cNvSpPr>
+          <p:nvPr>
+            <p:ph idx="1"/>
+          </p:nvPr>
+        </p:nvSpPr>
+        <p:spPr/>
+        <p:txBody>
+          <a:bodyPr/>
+          <a:lstStyle/>
+          <a:p>
+            <a:pPr marL="0" indent="0">
+              <a:buNone/>
+            </a:pPr>
+            <a:r>
+              <a:rPr lang="ja-JP" altLang="en-US" dirty="0"/>
+              <a:t>右</a:t>
+            </a:r>
+            <a:r>
+              <a:rPr kumimoji="1" lang="ja-JP" altLang="en-US" dirty="0"/>
+              <a:t>のコードを写す（</a:t>
+            </a:r>
+            <a:r>
+              <a:rPr kumimoji="1" lang="en-US" altLang="ja-JP" sz="1800" kern="1200" dirty="0">
+                <a:solidFill>
+                  <a:srgbClr val="000000"/>
+                </a:solidFill>
+                <a:effectLst/>
+                <a:latin typeface="Gill Sans MT" panose="020B0502020104020203" pitchFamily="34" charset="0"/>
+                <a:ea typeface="游ゴシック" panose="020B0400000000000000" pitchFamily="50" charset="-128"/>
+                <a:cs typeface="+mn-cs"/>
+              </a:rPr>
+              <a:t> sectioon0105.html </a:t>
+            </a:r>
+            <a:r>
+              <a:rPr kumimoji="1" lang="ja-JP" altLang="en-US" dirty="0"/>
+              <a:t>）</a:t>
+            </a:r>
+            <a:endParaRPr kumimoji="1" lang="en-US" altLang="ja-JP" dirty="0"/>
+          </a:p>
+          <a:p>
+            <a:pPr marL="0" indent="0">
+              <a:buNone/>
+            </a:pPr>
+            <a:r>
+              <a:rPr lang="ja-JP" altLang="en-US" dirty="0"/>
+              <a:t>加算は「</a:t>
+            </a:r>
+            <a:r>
+              <a:rPr lang="en-US" altLang="ja-JP" dirty="0"/>
+              <a:t>+</a:t>
+            </a:r>
+            <a:r>
+              <a:rPr lang="ja-JP" altLang="en-US" dirty="0"/>
+              <a:t>」</a:t>
+            </a:r>
+            <a:endParaRPr lang="en-US" altLang="ja-JP" dirty="0"/>
+          </a:p>
+          <a:p>
+            <a:pPr marL="0" indent="0">
+              <a:buNone/>
+            </a:pPr>
+            <a:r>
+              <a:rPr kumimoji="1" lang="ja-JP" altLang="en-US" dirty="0"/>
+              <a:t>減算は「</a:t>
+            </a:r>
+            <a:r>
+              <a:rPr lang="en-US" altLang="ja-JP" dirty="0"/>
+              <a:t>-</a:t>
+            </a:r>
+            <a:r>
+              <a:rPr kumimoji="1" lang="ja-JP" altLang="en-US" dirty="0"/>
+              <a:t>」</a:t>
+            </a:r>
+            <a:endParaRPr kumimoji="1" lang="en-US" altLang="ja-JP" dirty="0"/>
+          </a:p>
+          <a:p>
+            <a:pPr marL="0" indent="0">
+              <a:buNone/>
+            </a:pPr>
+            <a:r>
+              <a:rPr lang="ja-JP" altLang="en-US" dirty="0"/>
+              <a:t>乗算は「</a:t>
+            </a:r>
+            <a:r>
+              <a:rPr lang="en-US" altLang="ja-JP" dirty="0"/>
+              <a:t>*</a:t>
+            </a:r>
+            <a:r>
+              <a:rPr lang="ja-JP" altLang="en-US" dirty="0"/>
+              <a:t>」</a:t>
+            </a:r>
+            <a:endParaRPr lang="en-US" altLang="ja-JP" dirty="0"/>
+          </a:p>
+          <a:p>
+            <a:pPr marL="0" indent="0">
+              <a:buNone/>
+            </a:pPr>
+            <a:r>
+              <a:rPr lang="ja-JP" altLang="en-US" dirty="0"/>
+              <a:t>除算</a:t>
+            </a:r>
+            <a:r>
+              <a:rPr kumimoji="1" lang="ja-JP" altLang="en-US" dirty="0"/>
+              <a:t>は「</a:t>
+            </a:r>
+            <a:r>
+              <a:rPr kumimoji="1" lang="en-US" altLang="ja-JP" dirty="0"/>
+              <a:t>/</a:t>
+            </a:r>
+            <a:r>
+              <a:rPr kumimoji="1" lang="ja-JP" altLang="en-US" dirty="0"/>
+              <a:t>」</a:t>
+            </a:r>
+            <a:endParaRPr kumimoji="1" lang="en-US" altLang="ja-JP" dirty="0"/>
+          </a:p>
+          <a:p>
+            <a:pPr marL="0" indent="0">
+              <a:buNone/>
+            </a:pPr>
+            <a:r>
+              <a:rPr lang="ja-JP" altLang="en-US" dirty="0"/>
+              <a:t>剰余は「</a:t>
+            </a:r>
+            <a:r>
+              <a:rPr lang="en-US" altLang="ja-JP" dirty="0"/>
+              <a:t>%</a:t>
+            </a:r>
+            <a:r>
+              <a:rPr lang="ja-JP" altLang="en-US" dirty="0"/>
+              <a:t>」</a:t>
+            </a:r>
+            <a:endParaRPr lang="en-US" altLang="ja-JP" dirty="0"/>
+          </a:p>
+          <a:p>
+            <a:pPr marL="0" indent="0">
+              <a:buNone/>
+            </a:pPr>
+            <a:r>
+              <a:rPr kumimoji="1" lang="ja-JP" altLang="en-US" dirty="0"/>
+              <a:t>べき乗は「</a:t>
+            </a:r>
+            <a:r>
+              <a:rPr kumimoji="1" lang="en-US" altLang="ja-JP" dirty="0"/>
+              <a:t>**</a:t>
+            </a:r>
+            <a:r>
+              <a:rPr kumimoji="1" lang="ja-JP" altLang="en-US" dirty="0"/>
+              <a:t>」</a:t>
+            </a:r>
+          </a:p>
+        </p:txBody>
+      </p:sp>
+      <p:pic>
+        <p:nvPicPr>
+          <p:cNvPr id="5" name="図 4">
+            <a:extLst>
+              <a:ext uri="{FF2B5EF4-FFF2-40B4-BE49-F238E27FC236}">
+                <a16:creationId xmlns:a16="http://schemas.microsoft.com/office/drawing/2014/main" id="{0A4B66A7-F83F-4E65-AD8F-23F7DE717C3E}"/>
+              </a:ext>
+            </a:extLst>
+          </p:cNvPr>
+          <p:cNvPicPr>
+            <a:picLocks noChangeAspect="1"/>
+          </p:cNvPicPr>
+          <p:nvPr/>
+        </p:nvPicPr>
+        <p:blipFill>
+          <a:blip r:embed="rId2"/>
+          <a:stretch>
+            <a:fillRect/>
+          </a:stretch>
+        </p:blipFill>
+        <p:spPr>
+          <a:xfrm>
+            <a:off x="7362185" y="2070001"/>
+            <a:ext cx="2620800" cy="3558322"/>
+          </a:xfrm>
+          <a:prstGeom prst="rect">
+            <a:avLst/>
+          </a:prstGeom>
+        </p:spPr>
+      </p:pic>
+    </p:spTree>
+    <p:extLst>
+      <p:ext uri="{BB962C8B-B14F-4D97-AF65-F5344CB8AC3E}">
+        <p14:creationId xmlns:p14="http://schemas.microsoft.com/office/powerpoint/2010/main" val="3164469831"/>
       </p:ext>
     </p:extLst>
   </p:cSld>
